--- a/presentation.pdf.pptx
+++ b/presentation.pdf.pptx
@@ -106,6 +106,11 @@
       </a:defRPr>
     </a:lvl9pPr>
   </p:defaultTextStyle>
+  <p:extLst>
+    <p:ext uri="{EFAFB233-063F-42B5-8137-9DF3F51BA10A}">
+      <p15:sldGuideLst xmlns:p15="http://schemas.microsoft.com/office/powerpoint/2012/main"/>
+    </p:ext>
+  </p:extLst>
 </p:presentation>
 </file>
 
@@ -3551,32 +3556,338 @@
           <a:bodyPr/>
           <a:lstStyle/>
           <a:p>
-            <a:endParaRPr lang="en-US"/>
-          </a:p>
-        </p:txBody>
-      </p:sp>
-      <p:sp>
-        <p:nvSpPr>
-          <p:cNvPr id="3" name="Content Placeholder 2">
-            <a:extLst>
-              <a:ext uri="{FF2B5EF4-FFF2-40B4-BE49-F238E27FC236}">
-                <a16:creationId xmlns:a16="http://schemas.microsoft.com/office/drawing/2014/main" id="{F3A43AB3-5389-3E1D-E1D8-E4F0B3DABB76}"/>
-              </a:ext>
-            </a:extLst>
-          </p:cNvPr>
-          <p:cNvSpPr>
-            <a:spLocks noGrp="1"/>
+            <a:r>
+              <a:rPr lang="en-US" dirty="0"/>
+              <a:t>                           Project Objectives</a:t>
+            </a:r>
+          </a:p>
+        </p:txBody>
+      </p:sp>
+      <p:sp>
+        <p:nvSpPr>
+          <p:cNvPr id="4" name="Rectangle 1">
+            <a:extLst>
+              <a:ext uri="{FF2B5EF4-FFF2-40B4-BE49-F238E27FC236}">
+                <a16:creationId xmlns:a16="http://schemas.microsoft.com/office/drawing/2014/main" id="{0EA10EBA-00AA-7B89-2851-855B8A4EA1CC}"/>
+              </a:ext>
+            </a:extLst>
+          </p:cNvPr>
+          <p:cNvSpPr>
+            <a:spLocks noGrp="1" noChangeArrowheads="1"/>
           </p:cNvSpPr>
           <p:nvPr>
             <p:ph idx="1"/>
           </p:nvPr>
         </p:nvSpPr>
-        <p:spPr/>
-        <p:txBody>
-          <a:bodyPr/>
-          <a:lstStyle/>
-          <a:p>
-            <a:endParaRPr lang="en-US"/>
+        <p:spPr bwMode="auto">
+          <a:prstGeom prst="rect">
+            <a:avLst/>
+          </a:prstGeom>
+          <a:noFill/>
+          <a:ln>
+            <a:noFill/>
+          </a:ln>
+          <a:effectLst/>
+          <a:extLst>
+            <a:ext uri="{909E8E84-426E-40DD-AFC4-6F175D3DCCD1}">
+              <a14:hiddenFill xmlns:a14="http://schemas.microsoft.com/office/drawing/2010/main">
+                <a:solidFill>
+                  <a:schemeClr val="accent1"/>
+                </a:solidFill>
+              </a14:hiddenFill>
+            </a:ext>
+            <a:ext uri="{91240B29-F687-4F45-9708-019B960494DF}">
+              <a14:hiddenLine xmlns:a14="http://schemas.microsoft.com/office/drawing/2010/main" w="9525">
+                <a:solidFill>
+                  <a:schemeClr val="tx1"/>
+                </a:solidFill>
+                <a:miter lim="800000"/>
+                <a:headEnd/>
+                <a:tailEnd/>
+              </a14:hiddenLine>
+            </a:ext>
+            <a:ext uri="{AF507438-7753-43E0-B8FC-AC1667EBCBE1}">
+              <a14:hiddenEffects xmlns:a14="http://schemas.microsoft.com/office/drawing/2010/main">
+                <a:effectLst>
+                  <a:outerShdw dist="35921" dir="2700000" algn="ctr" rotWithShape="0">
+                    <a:schemeClr val="bg2"/>
+                  </a:outerShdw>
+                </a:effectLst>
+              </a14:hiddenEffects>
+            </a:ext>
+          </a:extLst>
+        </p:spPr>
+        <p:txBody>
+          <a:bodyPr vert="horz" wrap="none" lIns="91440" tIns="45720" rIns="91440" bIns="45720" numCol="1" anchor="ctr" anchorCtr="0" compatLnSpc="1">
+            <a:prstTxWarp prst="textNoShape">
+              <a:avLst/>
+            </a:prstTxWarp>
+            <a:spAutoFit/>
+          </a:bodyPr>
+          <a:lstStyle/>
+          <a:p>
+            <a:pPr marL="0" marR="0" lvl="0" indent="0" algn="l" defTabSz="914400" rtl="0" eaLnBrk="0" fontAlgn="base" latinLnBrk="0" hangingPunct="0">
+              <a:lnSpc>
+                <a:spcPct val="100000"/>
+              </a:lnSpc>
+              <a:spcBef>
+                <a:spcPct val="0"/>
+              </a:spcBef>
+              <a:spcAft>
+                <a:spcPct val="0"/>
+              </a:spcAft>
+              <a:buClrTx/>
+              <a:buSzTx/>
+              <a:buFontTx/>
+              <a:buChar char="•"/>
+              <a:tabLst/>
+            </a:pPr>
+            <a:r>
+              <a:rPr kumimoji="0" lang="en-US" altLang="en-US" sz="1800" b="1" i="0" u="none" strike="noStrike" cap="none" normalizeH="0" baseline="0">
+                <a:ln>
+                  <a:noFill/>
+                </a:ln>
+                <a:solidFill>
+                  <a:schemeClr val="tx1"/>
+                </a:solidFill>
+                <a:effectLst/>
+                <a:latin typeface="Arial" panose="020B0604020202020204" pitchFamily="34" charset="0"/>
+              </a:rPr>
+              <a:t>Predict Customer Churn</a:t>
+            </a:r>
+            <a:r>
+              <a:rPr kumimoji="0" lang="en-US" altLang="en-US" sz="1800" b="0" i="0" u="none" strike="noStrike" cap="none" normalizeH="0" baseline="0">
+                <a:ln>
+                  <a:noFill/>
+                </a:ln>
+                <a:solidFill>
+                  <a:schemeClr val="tx1"/>
+                </a:solidFill>
+                <a:effectLst/>
+                <a:latin typeface="Arial" panose="020B0604020202020204" pitchFamily="34" charset="0"/>
+              </a:rPr>
+              <a:t>: Build a reliable machine learning model to identify customers likely to leave.</a:t>
+            </a:r>
+          </a:p>
+          <a:p>
+            <a:pPr marL="0" marR="0" lvl="0" indent="0" algn="l" defTabSz="914400" rtl="0" eaLnBrk="0" fontAlgn="base" latinLnBrk="0" hangingPunct="0">
+              <a:lnSpc>
+                <a:spcPct val="100000"/>
+              </a:lnSpc>
+              <a:spcBef>
+                <a:spcPct val="0"/>
+              </a:spcBef>
+              <a:spcAft>
+                <a:spcPct val="0"/>
+              </a:spcAft>
+              <a:buClrTx/>
+              <a:buSzTx/>
+              <a:buFontTx/>
+              <a:buChar char="•"/>
+              <a:tabLst/>
+            </a:pPr>
+            <a:r>
+              <a:rPr kumimoji="0" lang="en-US" altLang="en-US" sz="1800" b="1" i="0" u="none" strike="noStrike" cap="none" normalizeH="0" baseline="0" dirty="0">
+                <a:ln>
+                  <a:noFill/>
+                </a:ln>
+                <a:solidFill>
+                  <a:schemeClr val="tx1"/>
+                </a:solidFill>
+                <a:effectLst/>
+                <a:latin typeface="Arial" panose="020B0604020202020204" pitchFamily="34" charset="0"/>
+              </a:rPr>
+              <a:t>Enable Timely Retention Efforts</a:t>
+            </a:r>
+            <a:r>
+              <a:rPr kumimoji="0" lang="en-US" altLang="en-US" sz="1800" b="0" i="0" u="none" strike="noStrike" cap="none" normalizeH="0" baseline="0" dirty="0">
+                <a:ln>
+                  <a:noFill/>
+                </a:ln>
+                <a:solidFill>
+                  <a:schemeClr val="tx1"/>
+                </a:solidFill>
+                <a:effectLst/>
+                <a:latin typeface="Arial" panose="020B0604020202020204" pitchFamily="34" charset="0"/>
+              </a:rPr>
+              <a:t>: Support proactive outreach to at-risk customers before they churn.</a:t>
+            </a:r>
+          </a:p>
+          <a:p>
+            <a:pPr marL="0" marR="0" lvl="0" indent="0" algn="l" defTabSz="914400" rtl="0" eaLnBrk="0" fontAlgn="base" latinLnBrk="0" hangingPunct="0">
+              <a:lnSpc>
+                <a:spcPct val="100000"/>
+              </a:lnSpc>
+              <a:spcBef>
+                <a:spcPct val="0"/>
+              </a:spcBef>
+              <a:spcAft>
+                <a:spcPct val="0"/>
+              </a:spcAft>
+              <a:buClrTx/>
+              <a:buSzTx/>
+              <a:buFontTx/>
+              <a:buChar char="•"/>
+              <a:tabLst/>
+            </a:pPr>
+            <a:r>
+              <a:rPr kumimoji="0" lang="en-US" altLang="en-US" sz="1800" b="1" i="0" u="none" strike="noStrike" cap="none" normalizeH="0" baseline="0" dirty="0">
+                <a:ln>
+                  <a:noFill/>
+                </a:ln>
+                <a:solidFill>
+                  <a:schemeClr val="tx1"/>
+                </a:solidFill>
+                <a:effectLst/>
+                <a:latin typeface="Arial" panose="020B0604020202020204" pitchFamily="34" charset="0"/>
+              </a:rPr>
+              <a:t>Reduce Revenue Loss</a:t>
+            </a:r>
+            <a:r>
+              <a:rPr kumimoji="0" lang="en-US" altLang="en-US" sz="1800" b="0" i="0" u="none" strike="noStrike" cap="none" normalizeH="0" baseline="0" dirty="0">
+                <a:ln>
+                  <a:noFill/>
+                </a:ln>
+                <a:solidFill>
+                  <a:schemeClr val="tx1"/>
+                </a:solidFill>
+                <a:effectLst/>
+                <a:latin typeface="Arial" panose="020B0604020202020204" pitchFamily="34" charset="0"/>
+              </a:rPr>
+              <a:t>: Minimize the financial impact of customer attrition.</a:t>
+            </a:r>
+          </a:p>
+          <a:p>
+            <a:pPr marL="0" marR="0" lvl="0" indent="0" algn="l" defTabSz="914400" rtl="0" eaLnBrk="0" fontAlgn="base" latinLnBrk="0" hangingPunct="0">
+              <a:lnSpc>
+                <a:spcPct val="100000"/>
+              </a:lnSpc>
+              <a:spcBef>
+                <a:spcPct val="0"/>
+              </a:spcBef>
+              <a:spcAft>
+                <a:spcPct val="0"/>
+              </a:spcAft>
+              <a:buClrTx/>
+              <a:buSzTx/>
+              <a:buFontTx/>
+              <a:buChar char="•"/>
+              <a:tabLst/>
+            </a:pPr>
+            <a:r>
+              <a:rPr kumimoji="0" lang="en-US" altLang="en-US" sz="1800" b="1" i="0" u="none" strike="noStrike" cap="none" normalizeH="0" baseline="0" dirty="0">
+                <a:ln>
+                  <a:noFill/>
+                </a:ln>
+                <a:solidFill>
+                  <a:schemeClr val="tx1"/>
+                </a:solidFill>
+                <a:effectLst/>
+                <a:latin typeface="Arial" panose="020B0604020202020204" pitchFamily="34" charset="0"/>
+              </a:rPr>
+              <a:t>Enhance Customer Lifetime Value</a:t>
+            </a:r>
+            <a:r>
+              <a:rPr kumimoji="0" lang="en-US" altLang="en-US" sz="1800" b="0" i="0" u="none" strike="noStrike" cap="none" normalizeH="0" baseline="0" dirty="0">
+                <a:ln>
+                  <a:noFill/>
+                </a:ln>
+                <a:solidFill>
+                  <a:schemeClr val="tx1"/>
+                </a:solidFill>
+                <a:effectLst/>
+                <a:latin typeface="Arial" panose="020B0604020202020204" pitchFamily="34" charset="0"/>
+              </a:rPr>
+              <a:t>: Retain loyal customers and maximize long-term profitability.</a:t>
+            </a:r>
+          </a:p>
+          <a:p>
+            <a:pPr marL="0" marR="0" lvl="0" indent="0" algn="l" defTabSz="914400" rtl="0" eaLnBrk="0" fontAlgn="base" latinLnBrk="0" hangingPunct="0">
+              <a:lnSpc>
+                <a:spcPct val="100000"/>
+              </a:lnSpc>
+              <a:spcBef>
+                <a:spcPct val="0"/>
+              </a:spcBef>
+              <a:spcAft>
+                <a:spcPct val="0"/>
+              </a:spcAft>
+              <a:buClrTx/>
+              <a:buSzTx/>
+              <a:buFontTx/>
+              <a:buChar char="•"/>
+              <a:tabLst/>
+            </a:pPr>
+            <a:r>
+              <a:rPr kumimoji="0" lang="en-US" altLang="en-US" sz="1800" b="1" i="0" u="none" strike="noStrike" cap="none" normalizeH="0" baseline="0" dirty="0">
+                <a:ln>
+                  <a:noFill/>
+                </a:ln>
+                <a:solidFill>
+                  <a:schemeClr val="tx1"/>
+                </a:solidFill>
+                <a:effectLst/>
+                <a:latin typeface="Arial" panose="020B0604020202020204" pitchFamily="34" charset="0"/>
+              </a:rPr>
+              <a:t>Improve Marketing Efficiency</a:t>
+            </a:r>
+            <a:r>
+              <a:rPr kumimoji="0" lang="en-US" altLang="en-US" sz="1800" b="0" i="0" u="none" strike="noStrike" cap="none" normalizeH="0" baseline="0" dirty="0">
+                <a:ln>
+                  <a:noFill/>
+                </a:ln>
+                <a:solidFill>
+                  <a:schemeClr val="tx1"/>
+                </a:solidFill>
+                <a:effectLst/>
+                <a:latin typeface="Arial" panose="020B0604020202020204" pitchFamily="34" charset="0"/>
+              </a:rPr>
+              <a:t>: Target retention campaigns more accurately using data-driven insights.</a:t>
+            </a:r>
+          </a:p>
+          <a:p>
+            <a:pPr marL="0" marR="0" lvl="0" indent="0" algn="l" defTabSz="914400" rtl="0" eaLnBrk="0" fontAlgn="base" latinLnBrk="0" hangingPunct="0">
+              <a:lnSpc>
+                <a:spcPct val="100000"/>
+              </a:lnSpc>
+              <a:spcBef>
+                <a:spcPct val="0"/>
+              </a:spcBef>
+              <a:spcAft>
+                <a:spcPct val="0"/>
+              </a:spcAft>
+              <a:buClrTx/>
+              <a:buSzTx/>
+              <a:buFontTx/>
+              <a:buChar char="•"/>
+              <a:tabLst/>
+            </a:pPr>
+            <a:r>
+              <a:rPr kumimoji="0" lang="en-US" altLang="en-US" sz="1800" b="1" i="0" u="none" strike="noStrike" cap="none" normalizeH="0" baseline="0" dirty="0">
+                <a:ln>
+                  <a:noFill/>
+                </a:ln>
+                <a:solidFill>
+                  <a:schemeClr val="tx1"/>
+                </a:solidFill>
+                <a:effectLst/>
+                <a:latin typeface="Arial" panose="020B0604020202020204" pitchFamily="34" charset="0"/>
+              </a:rPr>
+              <a:t>Support Strategic Decision-Making</a:t>
+            </a:r>
+            <a:r>
+              <a:rPr kumimoji="0" lang="en-US" altLang="en-US" sz="1800" b="0" i="0" u="none" strike="noStrike" cap="none" normalizeH="0" baseline="0" dirty="0">
+                <a:ln>
+                  <a:noFill/>
+                </a:ln>
+                <a:solidFill>
+                  <a:schemeClr val="tx1"/>
+                </a:solidFill>
+                <a:effectLst/>
+                <a:latin typeface="Arial" panose="020B0604020202020204" pitchFamily="34" charset="0"/>
+              </a:rPr>
+              <a:t>: Provide interpretable results to guide business strategies on customer loyalty.</a:t>
+            </a:r>
           </a:p>
         </p:txBody>
       </p:sp>

--- a/presentation.pdf.pptx
+++ b/presentation.pdf.pptx
@@ -8,6 +8,10 @@
     <p:sldId id="256" r:id="rId2"/>
     <p:sldId id="257" r:id="rId3"/>
     <p:sldId id="258" r:id="rId4"/>
+    <p:sldId id="259" r:id="rId5"/>
+    <p:sldId id="261" r:id="rId6"/>
+    <p:sldId id="262" r:id="rId7"/>
+    <p:sldId id="263" r:id="rId8"/>
   </p:sldIdLst>
   <p:sldSz cx="12192000" cy="6858000"/>
   <p:notesSz cx="6858000" cy="9144000"/>
@@ -3643,7 +3647,7 @@
               <a:tabLst/>
             </a:pPr>
             <a:r>
-              <a:rPr kumimoji="0" lang="en-US" altLang="en-US" sz="1800" b="1" i="0" u="none" strike="noStrike" cap="none" normalizeH="0" baseline="0">
+              <a:rPr kumimoji="0" lang="en-US" altLang="en-US" sz="1800" b="1" i="0" u="none" strike="noStrike" cap="none" normalizeH="0" baseline="0" dirty="0">
                 <a:ln>
                   <a:noFill/>
                 </a:ln>
@@ -3656,7 +3660,7 @@
               <a:t>Predict Customer Churn</a:t>
             </a:r>
             <a:r>
-              <a:rPr kumimoji="0" lang="en-US" altLang="en-US" sz="1800" b="0" i="0" u="none" strike="noStrike" cap="none" normalizeH="0" baseline="0">
+              <a:rPr kumimoji="0" lang="en-US" altLang="en-US" sz="1800" b="0" i="0" u="none" strike="noStrike" cap="none" normalizeH="0" baseline="0" dirty="0">
                 <a:ln>
                   <a:noFill/>
                 </a:ln>
@@ -3895,6 +3899,359 @@
     <p:extLst>
       <p:ext uri="{BB962C8B-B14F-4D97-AF65-F5344CB8AC3E}">
         <p14:creationId xmlns:p14="http://schemas.microsoft.com/office/powerpoint/2010/main" val="4103330648"/>
+      </p:ext>
+    </p:extLst>
+  </p:cSld>
+  <p:clrMapOvr>
+    <a:masterClrMapping/>
+  </p:clrMapOvr>
+</p:sld>
+</file>
+
+<file path=ppt/slides/slide4.xml><?xml version="1.0" encoding="utf-8"?>
+<p:sld xmlns:a="http://schemas.openxmlformats.org/drawingml/2006/main" xmlns:r="http://schemas.openxmlformats.org/officeDocument/2006/relationships" xmlns:p="http://schemas.openxmlformats.org/presentationml/2006/main">
+  <p:cSld>
+    <p:spTree>
+      <p:nvGrpSpPr>
+        <p:cNvPr id="1" name=""/>
+        <p:cNvGrpSpPr/>
+        <p:nvPr/>
+      </p:nvGrpSpPr>
+      <p:grpSpPr>
+        <a:xfrm>
+          <a:off x="0" y="0"/>
+          <a:ext cx="0" cy="0"/>
+          <a:chOff x="0" y="0"/>
+          <a:chExt cx="0" cy="0"/>
+        </a:xfrm>
+      </p:grpSpPr>
+      <p:sp>
+        <p:nvSpPr>
+          <p:cNvPr id="2" name="Title 1">
+            <a:extLst>
+              <a:ext uri="{FF2B5EF4-FFF2-40B4-BE49-F238E27FC236}">
+                <a16:creationId xmlns:a16="http://schemas.microsoft.com/office/drawing/2014/main" id="{5A0FFD4D-DE71-DF03-71AC-BDC1F97DA6A9}"/>
+              </a:ext>
+            </a:extLst>
+          </p:cNvPr>
+          <p:cNvSpPr>
+            <a:spLocks noGrp="1"/>
+          </p:cNvSpPr>
+          <p:nvPr>
+            <p:ph type="title"/>
+          </p:nvPr>
+        </p:nvSpPr>
+        <p:spPr/>
+        <p:txBody>
+          <a:bodyPr>
+            <a:normAutofit/>
+          </a:bodyPr>
+          <a:lstStyle/>
+          <a:p>
+            <a:r>
+              <a:rPr lang="en-US" sz="2800" dirty="0"/>
+              <a:t>Features derived from historical customer data were leveraged to train a high-accuracy model capable of predicting churn risk with confidence</a:t>
+            </a:r>
+            <a:br>
+              <a:rPr lang="en-US" sz="2800" dirty="0"/>
+            </a:br>
+            <a:endParaRPr lang="en-US" sz="2800" dirty="0"/>
+          </a:p>
+        </p:txBody>
+      </p:sp>
+      <p:pic>
+        <p:nvPicPr>
+          <p:cNvPr id="5" name="Content Placeholder 4">
+            <a:extLst>
+              <a:ext uri="{FF2B5EF4-FFF2-40B4-BE49-F238E27FC236}">
+                <a16:creationId xmlns:a16="http://schemas.microsoft.com/office/drawing/2014/main" id="{E75E119A-ED64-51FE-3C9B-DA26B0EBCE5A}"/>
+              </a:ext>
+            </a:extLst>
+          </p:cNvPr>
+          <p:cNvPicPr>
+            <a:picLocks noGrp="1" noChangeAspect="1"/>
+          </p:cNvPicPr>
+          <p:nvPr>
+            <p:ph idx="1"/>
+          </p:nvPr>
+        </p:nvPicPr>
+        <p:blipFill>
+          <a:blip r:embed="rId2"/>
+          <a:stretch>
+            <a:fillRect/>
+          </a:stretch>
+        </p:blipFill>
+        <p:spPr>
+          <a:xfrm>
+            <a:off x="2117978" y="1825625"/>
+            <a:ext cx="7956043" cy="4351338"/>
+          </a:xfrm>
+        </p:spPr>
+      </p:pic>
+    </p:spTree>
+    <p:extLst>
+      <p:ext uri="{BB962C8B-B14F-4D97-AF65-F5344CB8AC3E}">
+        <p14:creationId xmlns:p14="http://schemas.microsoft.com/office/powerpoint/2010/main" val="2837750395"/>
+      </p:ext>
+    </p:extLst>
+  </p:cSld>
+  <p:clrMapOvr>
+    <a:masterClrMapping/>
+  </p:clrMapOvr>
+</p:sld>
+</file>
+
+<file path=ppt/slides/slide5.xml><?xml version="1.0" encoding="utf-8"?>
+<p:sld xmlns:a="http://schemas.openxmlformats.org/drawingml/2006/main" xmlns:r="http://schemas.openxmlformats.org/officeDocument/2006/relationships" xmlns:p="http://schemas.openxmlformats.org/presentationml/2006/main">
+  <p:cSld>
+    <p:spTree>
+      <p:nvGrpSpPr>
+        <p:cNvPr id="1" name=""/>
+        <p:cNvGrpSpPr/>
+        <p:nvPr/>
+      </p:nvGrpSpPr>
+      <p:grpSpPr>
+        <a:xfrm>
+          <a:off x="0" y="0"/>
+          <a:ext cx="0" cy="0"/>
+          <a:chOff x="0" y="0"/>
+          <a:chExt cx="0" cy="0"/>
+        </a:xfrm>
+      </p:grpSpPr>
+      <p:sp>
+        <p:nvSpPr>
+          <p:cNvPr id="2" name="Title 1">
+            <a:extLst>
+              <a:ext uri="{FF2B5EF4-FFF2-40B4-BE49-F238E27FC236}">
+                <a16:creationId xmlns:a16="http://schemas.microsoft.com/office/drawing/2014/main" id="{26A65700-FB21-AA12-E40D-33F6E8F18032}"/>
+              </a:ext>
+            </a:extLst>
+          </p:cNvPr>
+          <p:cNvSpPr>
+            <a:spLocks noGrp="1"/>
+          </p:cNvSpPr>
+          <p:nvPr>
+            <p:ph type="title"/>
+          </p:nvPr>
+        </p:nvSpPr>
+        <p:spPr/>
+        <p:txBody>
+          <a:bodyPr/>
+          <a:lstStyle/>
+          <a:p>
+            <a:r>
+              <a:rPr lang="en-US" dirty="0"/>
+              <a:t>Model Performance: Identifying High-Risk Churn Customers</a:t>
+            </a:r>
+          </a:p>
+        </p:txBody>
+      </p:sp>
+      <p:pic>
+        <p:nvPicPr>
+          <p:cNvPr id="5" name="Content Placeholder 4">
+            <a:extLst>
+              <a:ext uri="{FF2B5EF4-FFF2-40B4-BE49-F238E27FC236}">
+                <a16:creationId xmlns:a16="http://schemas.microsoft.com/office/drawing/2014/main" id="{58DEBEF3-8707-6B2D-2DA0-B036D0444674}"/>
+              </a:ext>
+            </a:extLst>
+          </p:cNvPr>
+          <p:cNvPicPr>
+            <a:picLocks noGrp="1" noChangeAspect="1"/>
+          </p:cNvPicPr>
+          <p:nvPr>
+            <p:ph idx="1"/>
+          </p:nvPr>
+        </p:nvPicPr>
+        <p:blipFill>
+          <a:blip r:embed="rId2"/>
+          <a:stretch>
+            <a:fillRect/>
+          </a:stretch>
+        </p:blipFill>
+        <p:spPr>
+          <a:xfrm>
+            <a:off x="3364503" y="1825625"/>
+            <a:ext cx="5462993" cy="4351338"/>
+          </a:xfrm>
+        </p:spPr>
+      </p:pic>
+    </p:spTree>
+    <p:extLst>
+      <p:ext uri="{BB962C8B-B14F-4D97-AF65-F5344CB8AC3E}">
+        <p14:creationId xmlns:p14="http://schemas.microsoft.com/office/powerpoint/2010/main" val="3914363916"/>
+      </p:ext>
+    </p:extLst>
+  </p:cSld>
+  <p:clrMapOvr>
+    <a:masterClrMapping/>
+  </p:clrMapOvr>
+</p:sld>
+</file>
+
+<file path=ppt/slides/slide6.xml><?xml version="1.0" encoding="utf-8"?>
+<p:sld xmlns:a="http://schemas.openxmlformats.org/drawingml/2006/main" xmlns:r="http://schemas.openxmlformats.org/officeDocument/2006/relationships" xmlns:p="http://schemas.openxmlformats.org/presentationml/2006/main">
+  <p:cSld>
+    <p:spTree>
+      <p:nvGrpSpPr>
+        <p:cNvPr id="1" name=""/>
+        <p:cNvGrpSpPr/>
+        <p:nvPr/>
+      </p:nvGrpSpPr>
+      <p:grpSpPr>
+        <a:xfrm>
+          <a:off x="0" y="0"/>
+          <a:ext cx="0" cy="0"/>
+          <a:chOff x="0" y="0"/>
+          <a:chExt cx="0" cy="0"/>
+        </a:xfrm>
+      </p:grpSpPr>
+      <p:sp>
+        <p:nvSpPr>
+          <p:cNvPr id="2" name="Title 1">
+            <a:extLst>
+              <a:ext uri="{FF2B5EF4-FFF2-40B4-BE49-F238E27FC236}">
+                <a16:creationId xmlns:a16="http://schemas.microsoft.com/office/drawing/2014/main" id="{04EB7CAB-7AEB-1E9A-E30A-2D5F187556A8}"/>
+              </a:ext>
+            </a:extLst>
+          </p:cNvPr>
+          <p:cNvSpPr>
+            <a:spLocks noGrp="1"/>
+          </p:cNvSpPr>
+          <p:nvPr>
+            <p:ph type="title"/>
+          </p:nvPr>
+        </p:nvSpPr>
+        <p:spPr/>
+        <p:txBody>
+          <a:bodyPr/>
+          <a:lstStyle/>
+          <a:p>
+            <a:r>
+              <a:rPr lang="en-US" dirty="0"/>
+              <a:t>Customer Churn Prediction: Model Classification Performance</a:t>
+            </a:r>
+          </a:p>
+        </p:txBody>
+      </p:sp>
+      <p:pic>
+        <p:nvPicPr>
+          <p:cNvPr id="5" name="Content Placeholder 4">
+            <a:extLst>
+              <a:ext uri="{FF2B5EF4-FFF2-40B4-BE49-F238E27FC236}">
+                <a16:creationId xmlns:a16="http://schemas.microsoft.com/office/drawing/2014/main" id="{0DBEB085-CFB1-8723-A255-BBAB27B31F2D}"/>
+              </a:ext>
+            </a:extLst>
+          </p:cNvPr>
+          <p:cNvPicPr>
+            <a:picLocks noGrp="1" noChangeAspect="1"/>
+          </p:cNvPicPr>
+          <p:nvPr>
+            <p:ph idx="1"/>
+          </p:nvPr>
+        </p:nvPicPr>
+        <p:blipFill>
+          <a:blip r:embed="rId2"/>
+          <a:stretch>
+            <a:fillRect/>
+          </a:stretch>
+        </p:blipFill>
+        <p:spPr>
+          <a:xfrm>
+            <a:off x="3657259" y="2134133"/>
+            <a:ext cx="4877481" cy="3734321"/>
+          </a:xfrm>
+        </p:spPr>
+      </p:pic>
+    </p:spTree>
+    <p:extLst>
+      <p:ext uri="{BB962C8B-B14F-4D97-AF65-F5344CB8AC3E}">
+        <p14:creationId xmlns:p14="http://schemas.microsoft.com/office/powerpoint/2010/main" val="1582986928"/>
+      </p:ext>
+    </p:extLst>
+  </p:cSld>
+  <p:clrMapOvr>
+    <a:masterClrMapping/>
+  </p:clrMapOvr>
+</p:sld>
+</file>
+
+<file path=ppt/slides/slide7.xml><?xml version="1.0" encoding="utf-8"?>
+<p:sld xmlns:a="http://schemas.openxmlformats.org/drawingml/2006/main" xmlns:r="http://schemas.openxmlformats.org/officeDocument/2006/relationships" xmlns:p="http://schemas.openxmlformats.org/presentationml/2006/main">
+  <p:cSld>
+    <p:spTree>
+      <p:nvGrpSpPr>
+        <p:cNvPr id="1" name=""/>
+        <p:cNvGrpSpPr/>
+        <p:nvPr/>
+      </p:nvGrpSpPr>
+      <p:grpSpPr>
+        <a:xfrm>
+          <a:off x="0" y="0"/>
+          <a:ext cx="0" cy="0"/>
+          <a:chOff x="0" y="0"/>
+          <a:chExt cx="0" cy="0"/>
+        </a:xfrm>
+      </p:grpSpPr>
+      <p:sp>
+        <p:nvSpPr>
+          <p:cNvPr id="2" name="Title 1">
+            <a:extLst>
+              <a:ext uri="{FF2B5EF4-FFF2-40B4-BE49-F238E27FC236}">
+                <a16:creationId xmlns:a16="http://schemas.microsoft.com/office/drawing/2014/main" id="{AAEA27C5-4571-289F-E09A-4AFB74579459}"/>
+              </a:ext>
+            </a:extLst>
+          </p:cNvPr>
+          <p:cNvSpPr>
+            <a:spLocks noGrp="1"/>
+          </p:cNvSpPr>
+          <p:nvPr>
+            <p:ph type="title"/>
+          </p:nvPr>
+        </p:nvSpPr>
+        <p:spPr/>
+        <p:txBody>
+          <a:bodyPr/>
+          <a:lstStyle/>
+          <a:p>
+            <a:r>
+              <a:rPr lang="en-US" dirty="0"/>
+              <a:t>Interpreting the Confusion Matrix for Churn Prediction</a:t>
+            </a:r>
+          </a:p>
+        </p:txBody>
+      </p:sp>
+      <p:sp>
+        <p:nvSpPr>
+          <p:cNvPr id="3" name="Content Placeholder 2">
+            <a:extLst>
+              <a:ext uri="{FF2B5EF4-FFF2-40B4-BE49-F238E27FC236}">
+                <a16:creationId xmlns:a16="http://schemas.microsoft.com/office/drawing/2014/main" id="{4F18EC7E-7097-585E-2F5A-2EC077743C4F}"/>
+              </a:ext>
+            </a:extLst>
+          </p:cNvPr>
+          <p:cNvSpPr>
+            <a:spLocks noGrp="1"/>
+          </p:cNvSpPr>
+          <p:nvPr>
+            <p:ph idx="1"/>
+          </p:nvPr>
+        </p:nvSpPr>
+        <p:spPr/>
+        <p:txBody>
+          <a:bodyPr/>
+          <a:lstStyle/>
+          <a:p>
+            <a:r>
+              <a:rPr lang="en-US" dirty="0"/>
+              <a:t>The ROC curve evaluates the performance of the churn classification model by plotting the True Positive Rate against the False Positive Rate across various thresholds. With an AUC of 0.93, the model demonstrates strong predictive power, effectively distinguishing customers likely to churn from those who will stay, while minimizing false positives.</a:t>
+            </a:r>
+          </a:p>
+        </p:txBody>
+      </p:sp>
+    </p:spTree>
+    <p:extLst>
+      <p:ext uri="{BB962C8B-B14F-4D97-AF65-F5344CB8AC3E}">
+        <p14:creationId xmlns:p14="http://schemas.microsoft.com/office/powerpoint/2010/main" val="1256387443"/>
       </p:ext>
     </p:extLst>
   </p:cSld>

--- a/presentation.pdf.pptx
+++ b/presentation.pdf.pptx
@@ -12,6 +12,7 @@
     <p:sldId id="261" r:id="rId6"/>
     <p:sldId id="262" r:id="rId7"/>
     <p:sldId id="263" r:id="rId8"/>
+    <p:sldId id="264" r:id="rId9"/>
   </p:sldIdLst>
   <p:sldSz cx="12192000" cy="6858000"/>
   <p:notesSz cx="6858000" cy="9144000"/>
@@ -4261,6 +4262,89 @@
 </p:sld>
 </file>
 
+<file path=ppt/slides/slide8.xml><?xml version="1.0" encoding="utf-8"?>
+<p:sld xmlns:a="http://schemas.openxmlformats.org/drawingml/2006/main" xmlns:r="http://schemas.openxmlformats.org/officeDocument/2006/relationships" xmlns:p="http://schemas.openxmlformats.org/presentationml/2006/main">
+  <p:cSld>
+    <p:spTree>
+      <p:nvGrpSpPr>
+        <p:cNvPr id="1" name=""/>
+        <p:cNvGrpSpPr/>
+        <p:nvPr/>
+      </p:nvGrpSpPr>
+      <p:grpSpPr>
+        <a:xfrm>
+          <a:off x="0" y="0"/>
+          <a:ext cx="0" cy="0"/>
+          <a:chOff x="0" y="0"/>
+          <a:chExt cx="0" cy="0"/>
+        </a:xfrm>
+      </p:grpSpPr>
+      <p:sp>
+        <p:nvSpPr>
+          <p:cNvPr id="2" name="Title 1">
+            <a:extLst>
+              <a:ext uri="{FF2B5EF4-FFF2-40B4-BE49-F238E27FC236}">
+                <a16:creationId xmlns:a16="http://schemas.microsoft.com/office/drawing/2014/main" id="{C0AAB0D1-4F22-668A-C889-3B7AA7CDEB4E}"/>
+              </a:ext>
+            </a:extLst>
+          </p:cNvPr>
+          <p:cNvSpPr>
+            <a:spLocks noGrp="1"/>
+          </p:cNvSpPr>
+          <p:nvPr>
+            <p:ph type="title"/>
+          </p:nvPr>
+        </p:nvSpPr>
+        <p:spPr/>
+        <p:txBody>
+          <a:bodyPr/>
+          <a:lstStyle/>
+          <a:p>
+            <a:r>
+              <a:rPr lang="en-US" dirty="0"/>
+              <a:t>Churn Prediction Models: Logistic Regression vs Random Forest</a:t>
+            </a:r>
+          </a:p>
+        </p:txBody>
+      </p:sp>
+      <p:sp>
+        <p:nvSpPr>
+          <p:cNvPr id="3" name="Content Placeholder 2">
+            <a:extLst>
+              <a:ext uri="{FF2B5EF4-FFF2-40B4-BE49-F238E27FC236}">
+                <a16:creationId xmlns:a16="http://schemas.microsoft.com/office/drawing/2014/main" id="{A9212301-BC40-317A-FCBA-207A40AE478A}"/>
+              </a:ext>
+            </a:extLst>
+          </p:cNvPr>
+          <p:cNvSpPr>
+            <a:spLocks noGrp="1"/>
+          </p:cNvSpPr>
+          <p:nvPr>
+            <p:ph idx="1"/>
+          </p:nvPr>
+        </p:nvSpPr>
+        <p:spPr/>
+        <p:txBody>
+          <a:bodyPr/>
+          <a:lstStyle/>
+          <a:p>
+            <a:endParaRPr lang="en-US"/>
+          </a:p>
+        </p:txBody>
+      </p:sp>
+    </p:spTree>
+    <p:extLst>
+      <p:ext uri="{BB962C8B-B14F-4D97-AF65-F5344CB8AC3E}">
+        <p14:creationId xmlns:p14="http://schemas.microsoft.com/office/powerpoint/2010/main" val="2556205767"/>
+      </p:ext>
+    </p:extLst>
+  </p:cSld>
+  <p:clrMapOvr>
+    <a:masterClrMapping/>
+  </p:clrMapOvr>
+</p:sld>
+</file>
+
 <file path=ppt/theme/theme1.xml><?xml version="1.0" encoding="utf-8"?>
 <a:theme xmlns:a="http://schemas.openxmlformats.org/drawingml/2006/main" name="Office Theme">
   <a:themeElements>

--- a/presentation.pdf.pptx
+++ b/presentation.pdf.pptx
@@ -13,6 +13,7 @@
     <p:sldId id="262" r:id="rId7"/>
     <p:sldId id="263" r:id="rId8"/>
     <p:sldId id="264" r:id="rId9"/>
+    <p:sldId id="265" r:id="rId10"/>
   </p:sldIdLst>
   <p:sldSz cx="12192000" cy="6858000"/>
   <p:notesSz cx="6858000" cy="9144000"/>
@@ -4307,35 +4308,163 @@
           </a:p>
         </p:txBody>
       </p:sp>
-      <p:sp>
-        <p:nvSpPr>
-          <p:cNvPr id="3" name="Content Placeholder 2">
-            <a:extLst>
-              <a:ext uri="{FF2B5EF4-FFF2-40B4-BE49-F238E27FC236}">
-                <a16:creationId xmlns:a16="http://schemas.microsoft.com/office/drawing/2014/main" id="{A9212301-BC40-317A-FCBA-207A40AE478A}"/>
-              </a:ext>
-            </a:extLst>
-          </p:cNvPr>
-          <p:cNvSpPr>
-            <a:spLocks noGrp="1"/>
-          </p:cNvSpPr>
+      <p:pic>
+        <p:nvPicPr>
+          <p:cNvPr id="5" name="Content Placeholder 4">
+            <a:extLst>
+              <a:ext uri="{FF2B5EF4-FFF2-40B4-BE49-F238E27FC236}">
+                <a16:creationId xmlns:a16="http://schemas.microsoft.com/office/drawing/2014/main" id="{EAF17D43-2159-B039-8854-7CBA72138F9F}"/>
+              </a:ext>
+            </a:extLst>
+          </p:cNvPr>
+          <p:cNvPicPr>
+            <a:picLocks noGrp="1" noChangeAspect="1"/>
+          </p:cNvPicPr>
           <p:nvPr>
             <p:ph idx="1"/>
           </p:nvPr>
-        </p:nvSpPr>
-        <p:spPr/>
-        <p:txBody>
-          <a:bodyPr/>
-          <a:lstStyle/>
-          <a:p>
-            <a:endParaRPr lang="en-US"/>
-          </a:p>
-        </p:txBody>
-      </p:sp>
+        </p:nvPicPr>
+        <p:blipFill>
+          <a:blip r:embed="rId2"/>
+          <a:stretch>
+            <a:fillRect/>
+          </a:stretch>
+        </p:blipFill>
+        <p:spPr>
+          <a:xfrm>
+            <a:off x="3547707" y="2119844"/>
+            <a:ext cx="5096586" cy="3762900"/>
+          </a:xfrm>
+        </p:spPr>
+      </p:pic>
     </p:spTree>
     <p:extLst>
       <p:ext uri="{BB962C8B-B14F-4D97-AF65-F5344CB8AC3E}">
         <p14:creationId xmlns:p14="http://schemas.microsoft.com/office/powerpoint/2010/main" val="2556205767"/>
+      </p:ext>
+    </p:extLst>
+  </p:cSld>
+  <p:clrMapOvr>
+    <a:masterClrMapping/>
+  </p:clrMapOvr>
+</p:sld>
+</file>
+
+<file path=ppt/slides/slide9.xml><?xml version="1.0" encoding="utf-8"?>
+<p:sld xmlns:a="http://schemas.openxmlformats.org/drawingml/2006/main" xmlns:r="http://schemas.openxmlformats.org/officeDocument/2006/relationships" xmlns:p="http://schemas.openxmlformats.org/presentationml/2006/main">
+  <p:cSld>
+    <p:spTree>
+      <p:nvGrpSpPr>
+        <p:cNvPr id="1" name=""/>
+        <p:cNvGrpSpPr/>
+        <p:nvPr/>
+      </p:nvGrpSpPr>
+      <p:grpSpPr>
+        <a:xfrm>
+          <a:off x="0" y="0"/>
+          <a:ext cx="0" cy="0"/>
+          <a:chOff x="0" y="0"/>
+          <a:chExt cx="0" cy="0"/>
+        </a:xfrm>
+      </p:grpSpPr>
+      <p:sp>
+        <p:nvSpPr>
+          <p:cNvPr id="2" name="Title 1">
+            <a:extLst>
+              <a:ext uri="{FF2B5EF4-FFF2-40B4-BE49-F238E27FC236}">
+                <a16:creationId xmlns:a16="http://schemas.microsoft.com/office/drawing/2014/main" id="{1C110A49-E3E1-E911-D828-2F8FEAD0258A}"/>
+              </a:ext>
+            </a:extLst>
+          </p:cNvPr>
+          <p:cNvSpPr>
+            <a:spLocks noGrp="1"/>
+          </p:cNvSpPr>
+          <p:nvPr>
+            <p:ph type="title"/>
+          </p:nvPr>
+        </p:nvSpPr>
+        <p:spPr/>
+        <p:txBody>
+          <a:bodyPr/>
+          <a:lstStyle/>
+          <a:p>
+            <a:r>
+              <a:rPr lang="en-US"/>
+              <a:t>                             Interpretation</a:t>
+            </a:r>
+            <a:endParaRPr lang="en-US" dirty="0"/>
+          </a:p>
+        </p:txBody>
+      </p:sp>
+      <p:sp>
+        <p:nvSpPr>
+          <p:cNvPr id="3" name="Content Placeholder 2">
+            <a:extLst>
+              <a:ext uri="{FF2B5EF4-FFF2-40B4-BE49-F238E27FC236}">
+                <a16:creationId xmlns:a16="http://schemas.microsoft.com/office/drawing/2014/main" id="{9834C035-5F08-F737-FAB0-D31A9AE330B7}"/>
+              </a:ext>
+            </a:extLst>
+          </p:cNvPr>
+          <p:cNvSpPr>
+            <a:spLocks noGrp="1"/>
+          </p:cNvSpPr>
+          <p:nvPr>
+            <p:ph idx="1"/>
+          </p:nvPr>
+        </p:nvSpPr>
+        <p:spPr/>
+        <p:txBody>
+          <a:bodyPr/>
+          <a:lstStyle/>
+          <a:p>
+            <a:pPr>
+              <a:buNone/>
+            </a:pPr>
+            <a:r>
+              <a:rPr lang="en-US" dirty="0"/>
+              <a:t>This ROC (Receiver Operating Characteristic) curve evaluates the performance of a binary classifier in predicting customer churn.</a:t>
+            </a:r>
+          </a:p>
+          <a:p>
+            <a:pPr>
+              <a:buNone/>
+            </a:pPr>
+            <a:r>
+              <a:rPr lang="en-US" dirty="0"/>
+              <a:t>The x-axis shows the False Positive Rate (non-churners wrongly classified), while the y-axis shows the True Positive Rate (correctly identified churners).</a:t>
+            </a:r>
+          </a:p>
+          <a:p>
+            <a:pPr>
+              <a:buNone/>
+            </a:pPr>
+            <a:r>
+              <a:rPr lang="en-US" dirty="0"/>
+              <a:t>The blue curve reflects the model’s ability to distinguish between churners and non-churners at various thresholds.</a:t>
+            </a:r>
+            <a:br>
+              <a:rPr lang="en-US" dirty="0"/>
+            </a:br>
+            <a:r>
+              <a:rPr lang="en-US" dirty="0"/>
+              <a:t>The diagonal line (AUC = 0.5) represents random guessing.</a:t>
+            </a:r>
+          </a:p>
+          <a:p>
+            <a:r>
+              <a:rPr lang="en-US" dirty="0"/>
+              <a:t>An AUC of 0.731 indicates the model performs reasonably well in separating churners from non-churners.</a:t>
+            </a:r>
+          </a:p>
+          <a:p>
+            <a:endParaRPr lang="en-US" dirty="0"/>
+          </a:p>
+        </p:txBody>
+      </p:sp>
+    </p:spTree>
+    <p:extLst>
+      <p:ext uri="{BB962C8B-B14F-4D97-AF65-F5344CB8AC3E}">
+        <p14:creationId xmlns:p14="http://schemas.microsoft.com/office/powerpoint/2010/main" val="4238368872"/>
       </p:ext>
     </p:extLst>
   </p:cSld>

--- a/presentation.pdf.pptx
+++ b/presentation.pdf.pptx
@@ -14,6 +14,7 @@
     <p:sldId id="263" r:id="rId8"/>
     <p:sldId id="264" r:id="rId9"/>
     <p:sldId id="265" r:id="rId10"/>
+    <p:sldId id="266" r:id="rId11"/>
   </p:sldIdLst>
   <p:sldSz cx="12192000" cy="6858000"/>
   <p:notesSz cx="6858000" cy="9144000"/>
@@ -3438,6 +3439,151 @@
 </p:sld>
 </file>
 
+<file path=ppt/slides/slide10.xml><?xml version="1.0" encoding="utf-8"?>
+<p:sld xmlns:a="http://schemas.openxmlformats.org/drawingml/2006/main" xmlns:r="http://schemas.openxmlformats.org/officeDocument/2006/relationships" xmlns:p="http://schemas.openxmlformats.org/presentationml/2006/main">
+  <p:cSld>
+    <p:spTree>
+      <p:nvGrpSpPr>
+        <p:cNvPr id="1" name=""/>
+        <p:cNvGrpSpPr/>
+        <p:nvPr/>
+      </p:nvGrpSpPr>
+      <p:grpSpPr>
+        <a:xfrm>
+          <a:off x="0" y="0"/>
+          <a:ext cx="0" cy="0"/>
+          <a:chOff x="0" y="0"/>
+          <a:chExt cx="0" cy="0"/>
+        </a:xfrm>
+      </p:grpSpPr>
+      <p:sp>
+        <p:nvSpPr>
+          <p:cNvPr id="2" name="Title 1">
+            <a:extLst>
+              <a:ext uri="{FF2B5EF4-FFF2-40B4-BE49-F238E27FC236}">
+                <a16:creationId xmlns:a16="http://schemas.microsoft.com/office/drawing/2014/main" id="{CF90D95E-5890-CF2E-85DF-F7806507F147}"/>
+              </a:ext>
+            </a:extLst>
+          </p:cNvPr>
+          <p:cNvSpPr>
+            <a:spLocks noGrp="1"/>
+          </p:cNvSpPr>
+          <p:nvPr>
+            <p:ph type="title"/>
+          </p:nvPr>
+        </p:nvSpPr>
+        <p:spPr/>
+        <p:txBody>
+          <a:bodyPr/>
+          <a:lstStyle/>
+          <a:p>
+            <a:r>
+              <a:rPr lang="en-US" dirty="0"/>
+              <a:t>                               Key Insights</a:t>
+            </a:r>
+          </a:p>
+        </p:txBody>
+      </p:sp>
+      <p:sp>
+        <p:nvSpPr>
+          <p:cNvPr id="3" name="Content Placeholder 2">
+            <a:extLst>
+              <a:ext uri="{FF2B5EF4-FFF2-40B4-BE49-F238E27FC236}">
+                <a16:creationId xmlns:a16="http://schemas.microsoft.com/office/drawing/2014/main" id="{247111DB-B313-6161-F99D-8FA828A3CE87}"/>
+              </a:ext>
+            </a:extLst>
+          </p:cNvPr>
+          <p:cNvSpPr>
+            <a:spLocks noGrp="1"/>
+          </p:cNvSpPr>
+          <p:nvPr>
+            <p:ph idx="1"/>
+          </p:nvPr>
+        </p:nvSpPr>
+        <p:spPr/>
+        <p:txBody>
+          <a:bodyPr>
+            <a:normAutofit fontScale="92500" lnSpcReduction="20000"/>
+          </a:bodyPr>
+          <a:lstStyle/>
+          <a:p>
+            <a:pPr>
+              <a:buNone/>
+            </a:pPr>
+            <a:r>
+              <a:rPr lang="en-US" b="1" dirty="0"/>
+              <a:t>Model Performance:</a:t>
+            </a:r>
+            <a:r>
+              <a:rPr lang="en-US" dirty="0"/>
+              <a:t> The Random Forest Classifier, optimized using </a:t>
+            </a:r>
+            <a:r>
+              <a:rPr lang="en-US" dirty="0" err="1"/>
+              <a:t>RandomizedSearchCV</a:t>
+            </a:r>
+            <a:r>
+              <a:rPr lang="en-US" dirty="0"/>
+              <a:t>, demonstrates strong performance across accuracy, precision, recall, and ROC AUC. SMOTE enhances the detection of churn in an imbalanced dataset.</a:t>
+            </a:r>
+          </a:p>
+          <a:p>
+            <a:pPr>
+              <a:buNone/>
+            </a:pPr>
+            <a:r>
+              <a:rPr lang="en-US" b="1" dirty="0"/>
+              <a:t>Key Predictors:</a:t>
+            </a:r>
+            <a:r>
+              <a:rPr lang="en-US" dirty="0"/>
+              <a:t> The Feature Importance Plot identifies key drivers such as tenure, monthly charges, and contract type—factors strongly associated with customer retention behavior.</a:t>
+            </a:r>
+          </a:p>
+          <a:p>
+            <a:pPr>
+              <a:buNone/>
+            </a:pPr>
+            <a:r>
+              <a:rPr lang="en-US" b="1" dirty="0"/>
+              <a:t>Churn Risk:</a:t>
+            </a:r>
+            <a:r>
+              <a:rPr lang="en-US" dirty="0"/>
+              <a:t> The use of SMOTE and the recommended Precision-Recall Curve improves the model’s sensitivity to churn cases, helping minimize customer loss and associated revenue impact.</a:t>
+            </a:r>
+          </a:p>
+          <a:p>
+            <a:r>
+              <a:rPr lang="en-US" b="1"/>
+              <a:t>Fairness:</a:t>
+            </a:r>
+            <a:r>
+              <a:rPr lang="en-US"/>
+              <a:t> Encoded demographic features (e.g., gender, senior citizen status) allow for analysis of potential model bias, supporting ethical and balanced decision-making.</a:t>
+            </a:r>
+          </a:p>
+          <a:p>
+            <a:pPr marL="0" indent="0">
+              <a:buNone/>
+            </a:pPr>
+            <a:endParaRPr lang="en-US" dirty="0"/>
+          </a:p>
+        </p:txBody>
+      </p:sp>
+    </p:spTree>
+    <p:extLst>
+      <p:ext uri="{BB962C8B-B14F-4D97-AF65-F5344CB8AC3E}">
+        <p14:creationId xmlns:p14="http://schemas.microsoft.com/office/powerpoint/2010/main" val="2821246141"/>
+      </p:ext>
+    </p:extLst>
+  </p:cSld>
+  <p:clrMapOvr>
+    <a:masterClrMapping/>
+  </p:clrMapOvr>
+</p:sld>
+</file>
+
 <file path=ppt/slides/slide2.xml><?xml version="1.0" encoding="utf-8"?>
 <p:sld xmlns:a="http://schemas.openxmlformats.org/drawingml/2006/main" xmlns:r="http://schemas.openxmlformats.org/officeDocument/2006/relationships" xmlns:p="http://schemas.openxmlformats.org/presentationml/2006/main">
   <p:cSld>
@@ -4389,10 +4535,9 @@
           <a:lstStyle/>
           <a:p>
             <a:r>
-              <a:rPr lang="en-US"/>
+              <a:rPr lang="en-US" dirty="0"/>
               <a:t>                             Interpretation</a:t>
             </a:r>
-            <a:endParaRPr lang="en-US" dirty="0"/>
           </a:p>
         </p:txBody>
       </p:sp>

--- a/presentation.pdf.pptx
+++ b/presentation.pdf.pptx
@@ -15,6 +15,7 @@
     <p:sldId id="264" r:id="rId9"/>
     <p:sldId id="265" r:id="rId10"/>
     <p:sldId id="266" r:id="rId11"/>
+    <p:sldId id="267" r:id="rId12"/>
   </p:sldIdLst>
   <p:sldSz cx="12192000" cy="6858000"/>
   <p:notesSz cx="6858000" cy="9144000"/>
@@ -3555,11 +3556,11 @@
           </a:p>
           <a:p>
             <a:r>
-              <a:rPr lang="en-US" b="1"/>
+              <a:rPr lang="en-US" b="1" dirty="0"/>
               <a:t>Fairness:</a:t>
             </a:r>
             <a:r>
-              <a:rPr lang="en-US"/>
+              <a:rPr lang="en-US" dirty="0"/>
               <a:t> Encoded demographic features (e.g., gender, senior citizen status) allow for analysis of potential model bias, supporting ethical and balanced decision-making.</a:t>
             </a:r>
           </a:p>
@@ -3575,6 +3576,210 @@
     <p:extLst>
       <p:ext uri="{BB962C8B-B14F-4D97-AF65-F5344CB8AC3E}">
         <p14:creationId xmlns:p14="http://schemas.microsoft.com/office/powerpoint/2010/main" val="2821246141"/>
+      </p:ext>
+    </p:extLst>
+  </p:cSld>
+  <p:clrMapOvr>
+    <a:masterClrMapping/>
+  </p:clrMapOvr>
+</p:sld>
+</file>
+
+<file path=ppt/slides/slide11.xml><?xml version="1.0" encoding="utf-8"?>
+<p:sld xmlns:a="http://schemas.openxmlformats.org/drawingml/2006/main" xmlns:r="http://schemas.openxmlformats.org/officeDocument/2006/relationships" xmlns:p="http://schemas.openxmlformats.org/presentationml/2006/main">
+  <p:cSld>
+    <p:spTree>
+      <p:nvGrpSpPr>
+        <p:cNvPr id="1" name=""/>
+        <p:cNvGrpSpPr/>
+        <p:nvPr/>
+      </p:nvGrpSpPr>
+      <p:grpSpPr>
+        <a:xfrm>
+          <a:off x="0" y="0"/>
+          <a:ext cx="0" cy="0"/>
+          <a:chOff x="0" y="0"/>
+          <a:chExt cx="0" cy="0"/>
+        </a:xfrm>
+      </p:grpSpPr>
+      <p:sp>
+        <p:nvSpPr>
+          <p:cNvPr id="2" name="Title 1">
+            <a:extLst>
+              <a:ext uri="{FF2B5EF4-FFF2-40B4-BE49-F238E27FC236}">
+                <a16:creationId xmlns:a16="http://schemas.microsoft.com/office/drawing/2014/main" id="{C1273695-A8D9-3BC8-E908-A80B08DB94BF}"/>
+              </a:ext>
+            </a:extLst>
+          </p:cNvPr>
+          <p:cNvSpPr>
+            <a:spLocks noGrp="1"/>
+          </p:cNvSpPr>
+          <p:nvPr>
+            <p:ph type="title"/>
+          </p:nvPr>
+        </p:nvSpPr>
+        <p:spPr/>
+        <p:txBody>
+          <a:bodyPr/>
+          <a:lstStyle/>
+          <a:p>
+            <a:r>
+              <a:rPr lang="en-US" b="1"/>
+              <a:t>Key Recommendations for Churn Model</a:t>
+            </a:r>
+            <a:br>
+              <a:rPr lang="en-US" b="1"/>
+            </a:br>
+            <a:endParaRPr lang="en-US" dirty="0"/>
+          </a:p>
+        </p:txBody>
+      </p:sp>
+      <p:sp>
+        <p:nvSpPr>
+          <p:cNvPr id="3" name="Content Placeholder 2">
+            <a:extLst>
+              <a:ext uri="{FF2B5EF4-FFF2-40B4-BE49-F238E27FC236}">
+                <a16:creationId xmlns:a16="http://schemas.microsoft.com/office/drawing/2014/main" id="{66CDCB6A-73CF-EE3F-413C-84C615C2DE11}"/>
+              </a:ext>
+            </a:extLst>
+          </p:cNvPr>
+          <p:cNvSpPr>
+            <a:spLocks noGrp="1"/>
+          </p:cNvSpPr>
+          <p:nvPr>
+            <p:ph idx="1"/>
+          </p:nvPr>
+        </p:nvSpPr>
+        <p:spPr/>
+        <p:txBody>
+          <a:bodyPr>
+            <a:normAutofit lnSpcReduction="10000"/>
+          </a:bodyPr>
+          <a:lstStyle/>
+          <a:p>
+            <a:pPr>
+              <a:buFont typeface="Arial" panose="020B0604020202020204" pitchFamily="34" charset="0"/>
+              <a:buChar char="•"/>
+            </a:pPr>
+            <a:r>
+              <a:rPr lang="en-US" b="1" dirty="0"/>
+              <a:t>Address Imbalance</a:t>
+            </a:r>
+            <a:r>
+              <a:rPr lang="en-US" dirty="0"/>
+              <a:t>: Use SMOTE on training data; consider class weights.</a:t>
+            </a:r>
+          </a:p>
+          <a:p>
+            <a:pPr>
+              <a:buFont typeface="Arial" panose="020B0604020202020204" pitchFamily="34" charset="0"/>
+              <a:buChar char="•"/>
+            </a:pPr>
+            <a:r>
+              <a:rPr lang="en-US" b="1" dirty="0"/>
+              <a:t>Fairness</a:t>
+            </a:r>
+            <a:r>
+              <a:rPr lang="en-US" dirty="0"/>
+              <a:t>: Evaluate model bias across demographics.</a:t>
+            </a:r>
+          </a:p>
+          <a:p>
+            <a:pPr>
+              <a:buFont typeface="Arial" panose="020B0604020202020204" pitchFamily="34" charset="0"/>
+              <a:buChar char="•"/>
+            </a:pPr>
+            <a:r>
+              <a:rPr lang="en-US" b="1" dirty="0"/>
+              <a:t>Threshold Tuning</a:t>
+            </a:r>
+            <a:r>
+              <a:rPr lang="en-US" dirty="0"/>
+              <a:t>: Optimize with precision-recall balance.</a:t>
+            </a:r>
+          </a:p>
+          <a:p>
+            <a:pPr>
+              <a:buFont typeface="Arial" panose="020B0604020202020204" pitchFamily="34" charset="0"/>
+              <a:buChar char="•"/>
+            </a:pPr>
+            <a:r>
+              <a:rPr lang="en-US" b="1" dirty="0"/>
+              <a:t>Cross-Validation</a:t>
+            </a:r>
+            <a:r>
+              <a:rPr lang="en-US" dirty="0"/>
+              <a:t>: Ensure model generalizes well.</a:t>
+            </a:r>
+          </a:p>
+          <a:p>
+            <a:pPr>
+              <a:buFont typeface="Arial" panose="020B0604020202020204" pitchFamily="34" charset="0"/>
+              <a:buChar char="•"/>
+            </a:pPr>
+            <a:r>
+              <a:rPr lang="en-US" b="1" dirty="0"/>
+              <a:t>Telecom Insights</a:t>
+            </a:r>
+            <a:r>
+              <a:rPr lang="en-US" dirty="0"/>
+              <a:t>: Include usage, billing, and complaints data.</a:t>
+            </a:r>
+          </a:p>
+          <a:p>
+            <a:pPr>
+              <a:buFont typeface="Arial" panose="020B0604020202020204" pitchFamily="34" charset="0"/>
+              <a:buChar char="•"/>
+            </a:pPr>
+            <a:r>
+              <a:rPr lang="en-US" b="1" dirty="0"/>
+              <a:t>Model Deployment</a:t>
+            </a:r>
+            <a:r>
+              <a:rPr lang="en-US" dirty="0"/>
+              <a:t>: Enable real-time churn prediction &amp; retraining.</a:t>
+            </a:r>
+          </a:p>
+          <a:p>
+            <a:pPr>
+              <a:buFont typeface="Arial" panose="020B0604020202020204" pitchFamily="34" charset="0"/>
+              <a:buChar char="•"/>
+            </a:pPr>
+            <a:r>
+              <a:rPr lang="en-US" b="1" dirty="0"/>
+              <a:t>Transparency</a:t>
+            </a:r>
+            <a:r>
+              <a:rPr lang="en-US" dirty="0"/>
+              <a:t>: Communicate churn drivers clearly.</a:t>
+            </a:r>
+          </a:p>
+          <a:p>
+            <a:pPr>
+              <a:buFont typeface="Arial" panose="020B0604020202020204" pitchFamily="34" charset="0"/>
+              <a:buChar char="•"/>
+            </a:pPr>
+            <a:r>
+              <a:rPr lang="en-US" b="1" dirty="0"/>
+              <a:t>Integration</a:t>
+            </a:r>
+            <a:r>
+              <a:rPr lang="en-US" dirty="0"/>
+              <a:t>: Automate with CRM systems for actionability.</a:t>
+            </a:r>
+          </a:p>
+          <a:p>
+            <a:pPr>
+              <a:buNone/>
+            </a:pPr>
+            <a:endParaRPr lang="en-US" b="1" dirty="0"/>
+          </a:p>
+        </p:txBody>
+      </p:sp>
+    </p:spTree>
+    <p:extLst>
+      <p:ext uri="{BB962C8B-B14F-4D97-AF65-F5344CB8AC3E}">
+        <p14:creationId xmlns:p14="http://schemas.microsoft.com/office/powerpoint/2010/main" val="2049208278"/>
       </p:ext>
     </p:extLst>
   </p:cSld>

--- a/presentation.pdf.pptx
+++ b/presentation.pdf.pptx
@@ -3517,15 +3517,7 @@
             </a:r>
             <a:r>
               <a:rPr lang="en-US" dirty="0"/>
-              <a:t> The Random Forest Classifier, optimized using </a:t>
-            </a:r>
-            <a:r>
-              <a:rPr lang="en-US" dirty="0" err="1"/>
-              <a:t>RandomizedSearchCV</a:t>
-            </a:r>
-            <a:r>
-              <a:rPr lang="en-US" dirty="0"/>
-              <a:t>, demonstrates strong performance across accuracy, precision, recall, and ROC AUC. SMOTE enhances the detection of churn in an imbalanced dataset.</a:t>
+              <a:t> The Random Forest Classifier, optimized using RandomizedSearchCV, demonstrates strong performance across accuracy, precision, recall, and ROC AUC. SMOTE enhances the detection of churn in an imbalanced dataset.</a:t>
             </a:r>
           </a:p>
           <a:p>
@@ -3624,11 +3616,11 @@
           <a:lstStyle/>
           <a:p>
             <a:r>
-              <a:rPr lang="en-US" b="1"/>
+              <a:rPr lang="en-US" b="1" dirty="0"/>
               <a:t>Key Recommendations for Churn Model</a:t>
             </a:r>
             <a:br>
-              <a:rPr lang="en-US" b="1"/>
+              <a:rPr lang="en-US" b="1" dirty="0"/>
             </a:br>
             <a:endParaRPr lang="en-US" dirty="0"/>
           </a:p>

--- a/presentation.pdf.pptx
+++ b/presentation.pdf.pptx
@@ -3645,7 +3645,7 @@
         <p:spPr/>
         <p:txBody>
           <a:bodyPr>
-            <a:normAutofit lnSpcReduction="10000"/>
+            <a:normAutofit fontScale="92500" lnSpcReduction="10000"/>
           </a:bodyPr>
           <a:lstStyle/>
           <a:p>
@@ -3659,7 +3659,7 @@
             </a:r>
             <a:r>
               <a:rPr lang="en-US" dirty="0"/>
-              <a:t>: Use SMOTE on training data; consider class weights.</a:t>
+              <a:t>: Use SMOTE(Synthetic Minority Over-sampling Technique) on training data; consider class weights.</a:t>
             </a:r>
           </a:p>
           <a:p>
@@ -3757,7 +3757,7 @@
             </a:r>
             <a:r>
               <a:rPr lang="en-US" dirty="0"/>
-              <a:t>: Automate with CRM systems for actionability.</a:t>
+              <a:t>: Automate with CRM(Customer Relation Management) systems for actionability.</a:t>
             </a:r>
           </a:p>
           <a:p>

--- a/presentation.pdf.pptx
+++ b/presentation.pdf.pptx
@@ -3504,7 +3504,7 @@
         <p:spPr/>
         <p:txBody>
           <a:bodyPr>
-            <a:normAutofit fontScale="92500" lnSpcReduction="20000"/>
+            <a:normAutofit fontScale="85000" lnSpcReduction="10000"/>
           </a:bodyPr>
           <a:lstStyle/>
           <a:p>
@@ -3543,7 +3543,7 @@
             </a:r>
             <a:r>
               <a:rPr lang="en-US" dirty="0"/>
-              <a:t> The use of SMOTE and the recommended Precision-Recall Curve improves the model’s sensitivity to churn cases, helping minimize customer loss and associated revenue impact.</a:t>
+              <a:t> The use of SMOTE(Synthetic Minority Over-sampling Technique) and the recommended Precision-Recall Curve improves the model’s sensitivity to churn cases, helping minimize customer loss and associated revenue impact.</a:t>
             </a:r>
           </a:p>
           <a:p>
